--- a/pyspark_basics/Spark Architecture.pptx
+++ b/pyspark_basics/Spark Architecture.pptx
@@ -358,7 +358,7 @@
           <a:p>
             <a:fld id="{D09A6152-D5A1-4343-920A-94557C0AFDFA}" type="datetimeFigureOut">
               <a:rPr lang="en-US" smtClean="0"/>
-              <a:t>1/31/2022</a:t>
+              <a:t>10/6/22</a:t>
             </a:fld>
             <a:endParaRPr lang="en-US"/>
           </a:p>
@@ -772,7 +772,7 @@
           <a:p>
             <a:fld id="{989A0B8D-6132-4FE3-8078-9F2A8ACF90E6}" type="datetimeFigureOut">
               <a:rPr lang="en-US" smtClean="0"/>
-              <a:t>1/31/2022</a:t>
+              <a:t>10/6/22</a:t>
             </a:fld>
             <a:endParaRPr lang="en-US"/>
           </a:p>
@@ -970,7 +970,7 @@
           <a:p>
             <a:fld id="{989A0B8D-6132-4FE3-8078-9F2A8ACF90E6}" type="datetimeFigureOut">
               <a:rPr lang="en-US" smtClean="0"/>
-              <a:t>1/31/2022</a:t>
+              <a:t>10/6/22</a:t>
             </a:fld>
             <a:endParaRPr lang="en-US"/>
           </a:p>
@@ -1178,7 +1178,7 @@
           <a:p>
             <a:fld id="{989A0B8D-6132-4FE3-8078-9F2A8ACF90E6}" type="datetimeFigureOut">
               <a:rPr lang="en-US" smtClean="0"/>
-              <a:t>1/31/2022</a:t>
+              <a:t>10/6/22</a:t>
             </a:fld>
             <a:endParaRPr lang="en-US"/>
           </a:p>
@@ -1376,7 +1376,7 @@
           <a:p>
             <a:fld id="{989A0B8D-6132-4FE3-8078-9F2A8ACF90E6}" type="datetimeFigureOut">
               <a:rPr lang="en-US" smtClean="0"/>
-              <a:t>1/31/2022</a:t>
+              <a:t>10/6/22</a:t>
             </a:fld>
             <a:endParaRPr lang="en-US"/>
           </a:p>
@@ -1651,7 +1651,7 @@
           <a:p>
             <a:fld id="{989A0B8D-6132-4FE3-8078-9F2A8ACF90E6}" type="datetimeFigureOut">
               <a:rPr lang="en-US" smtClean="0"/>
-              <a:t>1/31/2022</a:t>
+              <a:t>10/6/22</a:t>
             </a:fld>
             <a:endParaRPr lang="en-US"/>
           </a:p>
@@ -1916,7 +1916,7 @@
           <a:p>
             <a:fld id="{989A0B8D-6132-4FE3-8078-9F2A8ACF90E6}" type="datetimeFigureOut">
               <a:rPr lang="en-US" smtClean="0"/>
-              <a:t>1/31/2022</a:t>
+              <a:t>10/6/22</a:t>
             </a:fld>
             <a:endParaRPr lang="en-US"/>
           </a:p>
@@ -2328,7 +2328,7 @@
           <a:p>
             <a:fld id="{989A0B8D-6132-4FE3-8078-9F2A8ACF90E6}" type="datetimeFigureOut">
               <a:rPr lang="en-US" smtClean="0"/>
-              <a:t>1/31/2022</a:t>
+              <a:t>10/6/22</a:t>
             </a:fld>
             <a:endParaRPr lang="en-US"/>
           </a:p>
@@ -2469,7 +2469,7 @@
           <a:p>
             <a:fld id="{989A0B8D-6132-4FE3-8078-9F2A8ACF90E6}" type="datetimeFigureOut">
               <a:rPr lang="en-US" smtClean="0"/>
-              <a:t>1/31/2022</a:t>
+              <a:t>10/6/22</a:t>
             </a:fld>
             <a:endParaRPr lang="en-US"/>
           </a:p>
@@ -2582,7 +2582,7 @@
           <a:p>
             <a:fld id="{989A0B8D-6132-4FE3-8078-9F2A8ACF90E6}" type="datetimeFigureOut">
               <a:rPr lang="en-US" smtClean="0"/>
-              <a:t>1/31/2022</a:t>
+              <a:t>10/6/22</a:t>
             </a:fld>
             <a:endParaRPr lang="en-US"/>
           </a:p>
@@ -2893,7 +2893,7 @@
           <a:p>
             <a:fld id="{989A0B8D-6132-4FE3-8078-9F2A8ACF90E6}" type="datetimeFigureOut">
               <a:rPr lang="en-US" smtClean="0"/>
-              <a:t>1/31/2022</a:t>
+              <a:t>10/6/22</a:t>
             </a:fld>
             <a:endParaRPr lang="en-US"/>
           </a:p>
@@ -3181,7 +3181,7 @@
           <a:p>
             <a:fld id="{989A0B8D-6132-4FE3-8078-9F2A8ACF90E6}" type="datetimeFigureOut">
               <a:rPr lang="en-US" smtClean="0"/>
-              <a:t>1/31/2022</a:t>
+              <a:t>10/6/22</a:t>
             </a:fld>
             <a:endParaRPr lang="en-US"/>
           </a:p>
@@ -3422,7 +3422,7 @@
           <a:p>
             <a:fld id="{989A0B8D-6132-4FE3-8078-9F2A8ACF90E6}" type="datetimeFigureOut">
               <a:rPr lang="en-US" smtClean="0"/>
-              <a:t>1/31/2022</a:t>
+              <a:t>10/6/22</a:t>
             </a:fld>
             <a:endParaRPr lang="en-US"/>
           </a:p>
@@ -9384,7 +9384,7 @@
                   <a:srgbClr val="0070C0"/>
                 </a:solidFill>
               </a:rPr>
-              <a:t>Apache Spark is an open-source data processing engine to store and process data in real time.</a:t>
+              <a:t>Apache Spark is an open-source analytics engine for large-scale data processing to store and process data in real time.</a:t>
             </a:r>
           </a:p>
         </p:txBody>
